--- a/report/LLM.pptx
+++ b/report/LLM.pptx
@@ -294,7 +294,7 @@
           <a:p>
             <a:fld id="{2FDA2EB6-C428-4942-8DCC-75C0E9909214}" type="datetimeFigureOut">
               <a:rPr lang="ru-RU" smtClean="0"/>
-              <a:t>24.06.2025</a:t>
+              <a:t>25.06.2025</a:t>
             </a:fld>
             <a:endParaRPr lang="ru-RU"/>
           </a:p>
@@ -492,7 +492,7 @@
           <a:p>
             <a:fld id="{2FDA2EB6-C428-4942-8DCC-75C0E9909214}" type="datetimeFigureOut">
               <a:rPr lang="ru-RU" smtClean="0"/>
-              <a:t>24.06.2025</a:t>
+              <a:t>25.06.2025</a:t>
             </a:fld>
             <a:endParaRPr lang="ru-RU"/>
           </a:p>
@@ -700,7 +700,7 @@
           <a:p>
             <a:fld id="{2FDA2EB6-C428-4942-8DCC-75C0E9909214}" type="datetimeFigureOut">
               <a:rPr lang="ru-RU" smtClean="0"/>
-              <a:t>24.06.2025</a:t>
+              <a:t>25.06.2025</a:t>
             </a:fld>
             <a:endParaRPr lang="ru-RU"/>
           </a:p>
@@ -898,7 +898,7 @@
           <a:p>
             <a:fld id="{2FDA2EB6-C428-4942-8DCC-75C0E9909214}" type="datetimeFigureOut">
               <a:rPr lang="ru-RU" smtClean="0"/>
-              <a:t>24.06.2025</a:t>
+              <a:t>25.06.2025</a:t>
             </a:fld>
             <a:endParaRPr lang="ru-RU"/>
           </a:p>
@@ -1173,7 +1173,7 @@
           <a:p>
             <a:fld id="{2FDA2EB6-C428-4942-8DCC-75C0E9909214}" type="datetimeFigureOut">
               <a:rPr lang="ru-RU" smtClean="0"/>
-              <a:t>24.06.2025</a:t>
+              <a:t>25.06.2025</a:t>
             </a:fld>
             <a:endParaRPr lang="ru-RU"/>
           </a:p>
@@ -1438,7 +1438,7 @@
           <a:p>
             <a:fld id="{2FDA2EB6-C428-4942-8DCC-75C0E9909214}" type="datetimeFigureOut">
               <a:rPr lang="ru-RU" smtClean="0"/>
-              <a:t>24.06.2025</a:t>
+              <a:t>25.06.2025</a:t>
             </a:fld>
             <a:endParaRPr lang="ru-RU"/>
           </a:p>
@@ -1850,7 +1850,7 @@
           <a:p>
             <a:fld id="{2FDA2EB6-C428-4942-8DCC-75C0E9909214}" type="datetimeFigureOut">
               <a:rPr lang="ru-RU" smtClean="0"/>
-              <a:t>24.06.2025</a:t>
+              <a:t>25.06.2025</a:t>
             </a:fld>
             <a:endParaRPr lang="ru-RU"/>
           </a:p>
@@ -1991,7 +1991,7 @@
           <a:p>
             <a:fld id="{2FDA2EB6-C428-4942-8DCC-75C0E9909214}" type="datetimeFigureOut">
               <a:rPr lang="ru-RU" smtClean="0"/>
-              <a:t>24.06.2025</a:t>
+              <a:t>25.06.2025</a:t>
             </a:fld>
             <a:endParaRPr lang="ru-RU"/>
           </a:p>
@@ -2104,7 +2104,7 @@
           <a:p>
             <a:fld id="{2FDA2EB6-C428-4942-8DCC-75C0E9909214}" type="datetimeFigureOut">
               <a:rPr lang="ru-RU" smtClean="0"/>
-              <a:t>24.06.2025</a:t>
+              <a:t>25.06.2025</a:t>
             </a:fld>
             <a:endParaRPr lang="ru-RU"/>
           </a:p>
@@ -2415,7 +2415,7 @@
           <a:p>
             <a:fld id="{2FDA2EB6-C428-4942-8DCC-75C0E9909214}" type="datetimeFigureOut">
               <a:rPr lang="ru-RU" smtClean="0"/>
-              <a:t>24.06.2025</a:t>
+              <a:t>25.06.2025</a:t>
             </a:fld>
             <a:endParaRPr lang="ru-RU"/>
           </a:p>
@@ -2703,7 +2703,7 @@
           <a:p>
             <a:fld id="{2FDA2EB6-C428-4942-8DCC-75C0E9909214}" type="datetimeFigureOut">
               <a:rPr lang="ru-RU" smtClean="0"/>
-              <a:t>24.06.2025</a:t>
+              <a:t>25.06.2025</a:t>
             </a:fld>
             <a:endParaRPr lang="ru-RU"/>
           </a:p>
@@ -2944,7 +2944,7 @@
           <a:p>
             <a:fld id="{2FDA2EB6-C428-4942-8DCC-75C0E9909214}" type="datetimeFigureOut">
               <a:rPr lang="ru-RU" smtClean="0"/>
-              <a:t>24.06.2025</a:t>
+              <a:t>25.06.2025</a:t>
             </a:fld>
             <a:endParaRPr lang="ru-RU"/>
           </a:p>
@@ -3436,7 +3436,7 @@
           <a:graphicData uri="http://schemas.openxmlformats.org/presentationml/2006/ole">
             <mc:AlternateContent xmlns:mc="http://schemas.openxmlformats.org/markup-compatibility/2006">
               <mc:Choice xmlns:v="urn:schemas-microsoft-com:vml" Requires="v">
-                <p:oleObj spid="_x0000_s1394" name="CorelDRAW" r:id="rId5" imgW="3084412" imgH="1354813" progId="CorelDraw.Graphic.22">
+                <p:oleObj spid="_x0000_s1405" name="CorelDRAW" r:id="rId5" imgW="3084412" imgH="1354813" progId="CorelDraw.Graphic.22">
                   <p:embed/>
                 </p:oleObj>
               </mc:Choice>
@@ -3668,7 +3668,7 @@
           <a:graphicData uri="http://schemas.openxmlformats.org/presentationml/2006/ole">
             <mc:AlternateContent xmlns:mc="http://schemas.openxmlformats.org/markup-compatibility/2006">
               <mc:Choice xmlns:v="urn:schemas-microsoft-com:vml" Requires="v">
-                <p:oleObj spid="_x0000_s9388" name="CorelDRAW" r:id="rId3" imgW="2566457" imgH="894201" progId="CorelDraw.Graphic.22">
+                <p:oleObj spid="_x0000_s9399" name="CorelDRAW" r:id="rId3" imgW="2566457" imgH="894201" progId="CorelDraw.Graphic.22">
                   <p:embed/>
                 </p:oleObj>
               </mc:Choice>
@@ -4081,7 +4081,7 @@
           <a:graphicData uri="http://schemas.openxmlformats.org/presentationml/2006/ole">
             <mc:AlternateContent xmlns:mc="http://schemas.openxmlformats.org/markup-compatibility/2006">
               <mc:Choice xmlns:v="urn:schemas-microsoft-com:vml" Requires="v">
-                <p:oleObj spid="_x0000_s2423" name="CorelDRAW" r:id="rId3" imgW="2566457" imgH="894201" progId="CorelDraw.Graphic.22">
+                <p:oleObj spid="_x0000_s2434" name="CorelDRAW" r:id="rId3" imgW="2566457" imgH="894201" progId="CorelDraw.Graphic.22">
                   <p:embed/>
                 </p:oleObj>
               </mc:Choice>
@@ -4514,7 +4514,7 @@
           <a:graphicData uri="http://schemas.openxmlformats.org/presentationml/2006/ole">
             <mc:AlternateContent xmlns:mc="http://schemas.openxmlformats.org/markup-compatibility/2006">
               <mc:Choice xmlns:v="urn:schemas-microsoft-com:vml" Requires="v">
-                <p:oleObj spid="_x0000_s12391" name="CorelDRAW" r:id="rId3" imgW="2566457" imgH="894201" progId="CorelDraw.Graphic.22">
+                <p:oleObj spid="_x0000_s12402" name="CorelDRAW" r:id="rId3" imgW="2566457" imgH="894201" progId="CorelDraw.Graphic.22">
                   <p:embed/>
                 </p:oleObj>
               </mc:Choice>
@@ -5105,7 +5105,7 @@
           <a:graphicData uri="http://schemas.openxmlformats.org/presentationml/2006/ole">
             <mc:AlternateContent xmlns:mc="http://schemas.openxmlformats.org/markup-compatibility/2006">
               <mc:Choice xmlns:v="urn:schemas-microsoft-com:vml" Requires="v">
-                <p:oleObj spid="_x0000_s3244" name="CorelDRAW" r:id="rId3" imgW="2566457" imgH="894201" progId="CorelDraw.Graphic.22">
+                <p:oleObj spid="_x0000_s3255" name="CorelDRAW" r:id="rId3" imgW="2566457" imgH="894201" progId="CorelDraw.Graphic.22">
                   <p:embed/>
                 </p:oleObj>
               </mc:Choice>
@@ -5772,7 +5772,7 @@
           <a:graphicData uri="http://schemas.openxmlformats.org/presentationml/2006/ole">
             <mc:AlternateContent xmlns:mc="http://schemas.openxmlformats.org/markup-compatibility/2006">
               <mc:Choice xmlns:v="urn:schemas-microsoft-com:vml" Requires="v">
-                <p:oleObj spid="_x0000_s4268" name="CorelDRAW" r:id="rId3" imgW="2566457" imgH="894201" progId="CorelDraw.Graphic.22">
+                <p:oleObj spid="_x0000_s4279" name="CorelDRAW" r:id="rId3" imgW="2566457" imgH="894201" progId="CorelDraw.Graphic.22">
                   <p:embed/>
                 </p:oleObj>
               </mc:Choice>
@@ -6339,7 +6339,7 @@
           <a:graphicData uri="http://schemas.openxmlformats.org/presentationml/2006/ole">
             <mc:AlternateContent xmlns:mc="http://schemas.openxmlformats.org/markup-compatibility/2006">
               <mc:Choice xmlns:v="urn:schemas-microsoft-com:vml" Requires="v">
-                <p:oleObj spid="_x0000_s5292" name="CorelDRAW" r:id="rId3" imgW="2566457" imgH="894201" progId="CorelDraw.Graphic.22">
+                <p:oleObj spid="_x0000_s5303" name="CorelDRAW" r:id="rId3" imgW="2566457" imgH="894201" progId="CorelDraw.Graphic.22">
                   <p:embed/>
                 </p:oleObj>
               </mc:Choice>
@@ -6722,7 +6722,7 @@
           <a:graphicData uri="http://schemas.openxmlformats.org/presentationml/2006/ole">
             <mc:AlternateContent xmlns:mc="http://schemas.openxmlformats.org/markup-compatibility/2006">
               <mc:Choice xmlns:v="urn:schemas-microsoft-com:vml" Requires="v">
-                <p:oleObj spid="_x0000_s6316" name="CorelDRAW" r:id="rId3" imgW="2566457" imgH="894201" progId="CorelDraw.Graphic.22">
+                <p:oleObj spid="_x0000_s6327" name="CorelDRAW" r:id="rId3" imgW="2566457" imgH="894201" progId="CorelDraw.Graphic.22">
                   <p:embed/>
                 </p:oleObj>
               </mc:Choice>
@@ -7284,7 +7284,7 @@
           <a:graphicData uri="http://schemas.openxmlformats.org/presentationml/2006/ole">
             <mc:AlternateContent xmlns:mc="http://schemas.openxmlformats.org/markup-compatibility/2006">
               <mc:Choice xmlns:v="urn:schemas-microsoft-com:vml" Requires="v">
-                <p:oleObj spid="_x0000_s14380" name="CorelDRAW" r:id="rId3" imgW="2566457" imgH="894201" progId="CorelDraw.Graphic.22">
+                <p:oleObj spid="_x0000_s14391" name="CorelDRAW" r:id="rId3" imgW="2566457" imgH="894201" progId="CorelDraw.Graphic.22">
                   <p:embed/>
                 </p:oleObj>
               </mc:Choice>
@@ -7512,7 +7512,27 @@
                 <a:latin typeface="Arial" panose="020B0604020202020204" pitchFamily="34" charset="0"/>
                 <a:cs typeface="Arial" panose="020B0604020202020204" pitchFamily="34" charset="0"/>
               </a:rPr>
-              <a:t>Проведя оценку, мы получили следующие значения:</a:t>
+              <a:t>Проведя оценку, мы получили следующие </a:t>
+            </a:r>
+            <a:r>
+              <a:rPr lang="ru-RU" altLang="ru-RU" b="1">
+                <a:solidFill>
+                  <a:srgbClr val="0070C0"/>
+                </a:solidFill>
+                <a:latin typeface="Arial" panose="020B0604020202020204" pitchFamily="34" charset="0"/>
+                <a:cs typeface="Arial" panose="020B0604020202020204" pitchFamily="34" charset="0"/>
+              </a:rPr>
+              <a:t>значения (на </a:t>
+            </a:r>
+            <a:r>
+              <a:rPr lang="ru-RU" altLang="ru-RU" b="1" dirty="0">
+                <a:solidFill>
+                  <a:srgbClr val="0070C0"/>
+                </a:solidFill>
+                <a:latin typeface="Arial" panose="020B0604020202020204" pitchFamily="34" charset="0"/>
+                <a:cs typeface="Arial" panose="020B0604020202020204" pitchFamily="34" charset="0"/>
+              </a:rPr>
+              <a:t>100 записях):</a:t>
             </a:r>
           </a:p>
           <a:p>
@@ -7842,7 +7862,7 @@
                 <a:latin typeface="Arial" panose="020B0604020202020204" pitchFamily="34" charset="0"/>
                 <a:cs typeface="Arial" panose="020B0604020202020204" pitchFamily="34" charset="0"/>
               </a:rPr>
-              <a:t>0.86</a:t>
+              <a:t>0.85</a:t>
             </a:r>
             <a:endParaRPr lang="ru-RU" dirty="0"/>
           </a:p>
@@ -7901,7 +7921,7 @@
                 <a:latin typeface="Arial" panose="020B0604020202020204" pitchFamily="34" charset="0"/>
                 <a:cs typeface="Arial" panose="020B0604020202020204" pitchFamily="34" charset="0"/>
               </a:rPr>
-              <a:t>0.57</a:t>
+              <a:t>0.66</a:t>
             </a:r>
             <a:endParaRPr lang="ru-RU" dirty="0"/>
           </a:p>
@@ -7960,7 +7980,7 @@
                 <a:latin typeface="Arial" panose="020B0604020202020204" pitchFamily="34" charset="0"/>
                 <a:cs typeface="Arial" panose="020B0604020202020204" pitchFamily="34" charset="0"/>
               </a:rPr>
-              <a:t>0.83</a:t>
+              <a:t>0.82</a:t>
             </a:r>
             <a:endParaRPr lang="ru-RU" dirty="0"/>
           </a:p>
@@ -8019,7 +8039,7 @@
                 <a:latin typeface="Arial" panose="020B0604020202020204" pitchFamily="34" charset="0"/>
                 <a:cs typeface="Arial" panose="020B0604020202020204" pitchFamily="34" charset="0"/>
               </a:rPr>
-              <a:t>0.86</a:t>
+              <a:t>0.82</a:t>
             </a:r>
             <a:endParaRPr lang="ru-RU" dirty="0"/>
           </a:p>
@@ -8289,7 +8309,7 @@
           <a:graphicData uri="http://schemas.openxmlformats.org/presentationml/2006/ole">
             <mc:AlternateContent xmlns:mc="http://schemas.openxmlformats.org/markup-compatibility/2006">
               <mc:Choice xmlns:v="urn:schemas-microsoft-com:vml" Requires="v">
-                <p:oleObj spid="_x0000_s8364" name="CorelDRAW" r:id="rId3" imgW="2566457" imgH="894201" progId="CorelDraw.Graphic.22">
+                <p:oleObj spid="_x0000_s8375" name="CorelDRAW" r:id="rId3" imgW="2566457" imgH="894201" progId="CorelDraw.Graphic.22">
                   <p:embed/>
                 </p:oleObj>
               </mc:Choice>
